--- a/rac_and_docker_miller.pptx
+++ b/rac_and_docker_miller.pptx
@@ -33335,23 +33335,74 @@
           <a:p>
             <a:r>
               <a:rPr lang="en-US" dirty="0"/>
-              <a:t>Download</a:t>
-            </a:r>
+              <a:t>Download Presentation</a:t>
+            </a:r>
+          </a:p>
+        </p:txBody>
+      </p:sp>
+      <p:sp>
+        <p:nvSpPr>
+          <p:cNvPr id="4" name="Footer Placeholder 3"/>
+          <p:cNvSpPr>
+            <a:spLocks noGrp="1"/>
+          </p:cNvSpPr>
+          <p:nvPr>
+            <p:ph type="ftr" sz="quarter" idx="11"/>
+          </p:nvPr>
+        </p:nvSpPr>
+        <p:spPr/>
+        <p:txBody>
+          <a:bodyPr/>
+          <a:lstStyle/>
+          <a:p>
+            <a:r>
+              <a:rPr lang="en-US"/>
+              <a:t>Copyright © 2015 Symantec Corporation</a:t>
+            </a:r>
+          </a:p>
+        </p:txBody>
+      </p:sp>
+      <p:sp>
+        <p:nvSpPr>
+          <p:cNvPr id="5" name="Slide Number Placeholder 4"/>
+          <p:cNvSpPr>
+            <a:spLocks noGrp="1"/>
+          </p:cNvSpPr>
+          <p:nvPr>
+            <p:ph type="sldNum" sz="quarter" idx="12"/>
+          </p:nvPr>
+        </p:nvSpPr>
+        <p:spPr/>
+        <p:txBody>
+          <a:bodyPr/>
+          <a:lstStyle/>
+          <a:p>
+            <a:pPr algn="l"/>
+            <a:fld id="{C1960183-D323-4677-9D78-78D1D39B0029}" type="slidenum">
+              <a:rPr lang="en-US" smtClean="0"/>
+              <a:pPr algn="l"/>
+              <a:t>3</a:t>
+            </a:fld>
+            <a:endParaRPr lang="en-US"/>
           </a:p>
         </p:txBody>
       </p:sp>
       <p:pic>
         <p:nvPicPr>
-          <p:cNvPr id="6" name="Content Placeholder 5"/>
+          <p:cNvPr id="11" name="Picture 10">
+            <a:extLst>
+              <a:ext uri="{FF2B5EF4-FFF2-40B4-BE49-F238E27FC236}">
+                <a16:creationId xmlns:a16="http://schemas.microsoft.com/office/drawing/2014/main" id="{E956B187-0EA8-4C4F-85D6-2B97C5EE4064}"/>
+              </a:ext>
+            </a:extLst>
+          </p:cNvPr>
           <p:cNvPicPr>
-            <a:picLocks noGrp="1" noChangeAspect="1"/>
+            <a:picLocks noChangeAspect="1"/>
           </p:cNvPicPr>
-          <p:nvPr>
-            <p:ph idx="1"/>
-          </p:nvPr>
+          <p:nvPr/>
         </p:nvPicPr>
         <p:blipFill>
-          <a:blip r:embed="rId2" cstate="print">
+          <a:blip r:embed="rId2">
             <a:extLst>
               <a:ext uri="{28A0092B-C50C-407E-A947-70E740481C1C}">
                 <a14:useLocalDpi xmlns:a14="http://schemas.microsoft.com/office/drawing/2010/main" val="0"/>
@@ -33364,108 +33415,14 @@
         </p:blipFill>
         <p:spPr>
           <a:xfrm>
-            <a:off x="4379914" y="304800"/>
-            <a:ext cx="3429000" cy="5921923"/>
+            <a:off x="3579814" y="1269492"/>
+            <a:ext cx="5029200" cy="5029200"/>
           </a:xfrm>
+          <a:prstGeom prst="rect">
+            <a:avLst/>
+          </a:prstGeom>
         </p:spPr>
       </p:pic>
-      <p:sp>
-        <p:nvSpPr>
-          <p:cNvPr id="4" name="Footer Placeholder 3"/>
-          <p:cNvSpPr>
-            <a:spLocks noGrp="1"/>
-          </p:cNvSpPr>
-          <p:nvPr>
-            <p:ph type="ftr" sz="quarter" idx="11"/>
-          </p:nvPr>
-        </p:nvSpPr>
-        <p:spPr/>
-        <p:txBody>
-          <a:bodyPr/>
-          <a:lstStyle/>
-          <a:p>
-            <a:r>
-              <a:rPr lang="en-US"/>
-              <a:t>Copyright © 2015 Symantec Corporation</a:t>
-            </a:r>
-          </a:p>
-        </p:txBody>
-      </p:sp>
-      <p:sp>
-        <p:nvSpPr>
-          <p:cNvPr id="5" name="Slide Number Placeholder 4"/>
-          <p:cNvSpPr>
-            <a:spLocks noGrp="1"/>
-          </p:cNvSpPr>
-          <p:nvPr>
-            <p:ph type="sldNum" sz="quarter" idx="12"/>
-          </p:nvPr>
-        </p:nvSpPr>
-        <p:spPr/>
-        <p:txBody>
-          <a:bodyPr/>
-          <a:lstStyle/>
-          <a:p>
-            <a:pPr algn="l"/>
-            <a:fld id="{C1960183-D323-4677-9D78-78D1D39B0029}" type="slidenum">
-              <a:rPr lang="en-US" smtClean="0"/>
-              <a:pPr algn="l"/>
-              <a:t>3</a:t>
-            </a:fld>
-            <a:endParaRPr lang="en-US"/>
-          </a:p>
-        </p:txBody>
-      </p:sp>
-      <p:sp>
-        <p:nvSpPr>
-          <p:cNvPr id="7" name="Right Arrow 6"/>
-          <p:cNvSpPr/>
-          <p:nvPr/>
-        </p:nvSpPr>
-        <p:spPr bwMode="auto">
-          <a:xfrm>
-            <a:off x="1370012" y="3657600"/>
-            <a:ext cx="3200400" cy="1600200"/>
-          </a:xfrm>
-          <a:prstGeom prst="rightArrow">
-            <a:avLst/>
-          </a:prstGeom>
-          <a:solidFill>
-            <a:schemeClr val="accent1"/>
-          </a:solidFill>
-          <a:ln w="19050" cap="flat" cmpd="sng" algn="ctr">
-            <a:solidFill>
-              <a:schemeClr val="accent1"/>
-            </a:solidFill>
-            <a:prstDash val="solid"/>
-            <a:miter lim="800000"/>
-            <a:headEnd type="none" w="med" len="med"/>
-            <a:tailEnd type="none" w="med" len="med"/>
-          </a:ln>
-          <a:effectLst/>
-        </p:spPr>
-        <p:txBody>
-          <a:bodyPr vert="horz" wrap="square" lIns="91440" tIns="45720" rIns="91440" bIns="45720" numCol="1" rtlCol="0" anchor="ctr" anchorCtr="0" compatLnSpc="1">
-            <a:prstTxWarp prst="textNoShape">
-              <a:avLst/>
-            </a:prstTxWarp>
-          </a:bodyPr>
-          <a:lstStyle/>
-          <a:p>
-            <a:pPr algn="ctr">
-              <a:lnSpc>
-                <a:spcPct val="90000"/>
-              </a:lnSpc>
-            </a:pPr>
-            <a:endParaRPr lang="en-US" sz="1800" dirty="0" err="1">
-              <a:solidFill>
-                <a:srgbClr val="FFFFFF"/>
-              </a:solidFill>
-              <a:latin typeface="+mn-lt"/>
-            </a:endParaRPr>
-          </a:p>
-        </p:txBody>
-      </p:sp>
     </p:spTree>
     <p:extLst>
       <p:ext uri="{BB962C8B-B14F-4D97-AF65-F5344CB8AC3E}">
@@ -40512,6 +40469,42 @@
           </a:p>
         </p:txBody>
       </p:sp>
+      <p:pic>
+        <p:nvPicPr>
+          <p:cNvPr id="6" name="Picture 5">
+            <a:extLst>
+              <a:ext uri="{FF2B5EF4-FFF2-40B4-BE49-F238E27FC236}">
+                <a16:creationId xmlns:a16="http://schemas.microsoft.com/office/drawing/2014/main" id="{99F3F60F-1CD0-4FF0-977B-34EB9D098218}"/>
+              </a:ext>
+            </a:extLst>
+          </p:cNvPr>
+          <p:cNvPicPr>
+            <a:picLocks noChangeAspect="1"/>
+          </p:cNvPicPr>
+          <p:nvPr/>
+        </p:nvPicPr>
+        <p:blipFill>
+          <a:blip r:embed="rId3">
+            <a:extLst>
+              <a:ext uri="{28A0092B-C50C-407E-A947-70E740481C1C}">
+                <a14:useLocalDpi xmlns:a14="http://schemas.microsoft.com/office/drawing/2010/main" val="0"/>
+              </a:ext>
+            </a:extLst>
+          </a:blip>
+          <a:stretch>
+            <a:fillRect/>
+          </a:stretch>
+        </p:blipFill>
+        <p:spPr>
+          <a:xfrm>
+            <a:off x="5027612" y="1828654"/>
+            <a:ext cx="3665728" cy="3017812"/>
+          </a:xfrm>
+          <a:prstGeom prst="rect">
+            <a:avLst/>
+          </a:prstGeom>
+        </p:spPr>
+      </p:pic>
     </p:spTree>
     <p:extLst>
       <p:ext uri="{BB962C8B-B14F-4D97-AF65-F5344CB8AC3E}">
